--- a/docs/multicaregiver_cryingbaby/hinh ve.pptx
+++ b/docs/multicaregiver_cryingbaby/hinh ve.pptx
@@ -14,6 +14,8 @@
     <p:sldId id="262" r:id="rId8"/>
     <p:sldId id="263" r:id="rId9"/>
     <p:sldId id="264" r:id="rId10"/>
+    <p:sldId id="265" r:id="rId11"/>
+    <p:sldId id="266" r:id="rId12"/>
   </p:sldIdLst>
   <p:sldSz cx="12192000" cy="6858000"/>
   <p:notesSz cx="6858000" cy="9144000"/>
@@ -278,7 +280,7 @@
           <a:p>
             <a:fld id="{1E1BBEAF-BE18-4B3F-BA9F-5A5EDF0ECB93}" type="datetimeFigureOut">
               <a:rPr lang="en-US" smtClean="0"/>
-              <a:t>12/30/2021</a:t>
+              <a:t>1/1/2022</a:t>
             </a:fld>
             <a:endParaRPr lang="en-US"/>
           </a:p>
@@ -476,7 +478,7 @@
           <a:p>
             <a:fld id="{1E1BBEAF-BE18-4B3F-BA9F-5A5EDF0ECB93}" type="datetimeFigureOut">
               <a:rPr lang="en-US" smtClean="0"/>
-              <a:t>12/30/2021</a:t>
+              <a:t>1/1/2022</a:t>
             </a:fld>
             <a:endParaRPr lang="en-US"/>
           </a:p>
@@ -684,7 +686,7 @@
           <a:p>
             <a:fld id="{1E1BBEAF-BE18-4B3F-BA9F-5A5EDF0ECB93}" type="datetimeFigureOut">
               <a:rPr lang="en-US" smtClean="0"/>
-              <a:t>12/30/2021</a:t>
+              <a:t>1/1/2022</a:t>
             </a:fld>
             <a:endParaRPr lang="en-US"/>
           </a:p>
@@ -882,7 +884,7 @@
           <a:p>
             <a:fld id="{1E1BBEAF-BE18-4B3F-BA9F-5A5EDF0ECB93}" type="datetimeFigureOut">
               <a:rPr lang="en-US" smtClean="0"/>
-              <a:t>12/30/2021</a:t>
+              <a:t>1/1/2022</a:t>
             </a:fld>
             <a:endParaRPr lang="en-US"/>
           </a:p>
@@ -1157,7 +1159,7 @@
           <a:p>
             <a:fld id="{1E1BBEAF-BE18-4B3F-BA9F-5A5EDF0ECB93}" type="datetimeFigureOut">
               <a:rPr lang="en-US" smtClean="0"/>
-              <a:t>12/30/2021</a:t>
+              <a:t>1/1/2022</a:t>
             </a:fld>
             <a:endParaRPr lang="en-US"/>
           </a:p>
@@ -1422,7 +1424,7 @@
           <a:p>
             <a:fld id="{1E1BBEAF-BE18-4B3F-BA9F-5A5EDF0ECB93}" type="datetimeFigureOut">
               <a:rPr lang="en-US" smtClean="0"/>
-              <a:t>12/30/2021</a:t>
+              <a:t>1/1/2022</a:t>
             </a:fld>
             <a:endParaRPr lang="en-US"/>
           </a:p>
@@ -1834,7 +1836,7 @@
           <a:p>
             <a:fld id="{1E1BBEAF-BE18-4B3F-BA9F-5A5EDF0ECB93}" type="datetimeFigureOut">
               <a:rPr lang="en-US" smtClean="0"/>
-              <a:t>12/30/2021</a:t>
+              <a:t>1/1/2022</a:t>
             </a:fld>
             <a:endParaRPr lang="en-US"/>
           </a:p>
@@ -1975,7 +1977,7 @@
           <a:p>
             <a:fld id="{1E1BBEAF-BE18-4B3F-BA9F-5A5EDF0ECB93}" type="datetimeFigureOut">
               <a:rPr lang="en-US" smtClean="0"/>
-              <a:t>12/30/2021</a:t>
+              <a:t>1/1/2022</a:t>
             </a:fld>
             <a:endParaRPr lang="en-US"/>
           </a:p>
@@ -2088,7 +2090,7 @@
           <a:p>
             <a:fld id="{1E1BBEAF-BE18-4B3F-BA9F-5A5EDF0ECB93}" type="datetimeFigureOut">
               <a:rPr lang="en-US" smtClean="0"/>
-              <a:t>12/30/2021</a:t>
+              <a:t>1/1/2022</a:t>
             </a:fld>
             <a:endParaRPr lang="en-US"/>
           </a:p>
@@ -2399,7 +2401,7 @@
           <a:p>
             <a:fld id="{1E1BBEAF-BE18-4B3F-BA9F-5A5EDF0ECB93}" type="datetimeFigureOut">
               <a:rPr lang="en-US" smtClean="0"/>
-              <a:t>12/30/2021</a:t>
+              <a:t>1/1/2022</a:t>
             </a:fld>
             <a:endParaRPr lang="en-US"/>
           </a:p>
@@ -2687,7 +2689,7 @@
           <a:p>
             <a:fld id="{1E1BBEAF-BE18-4B3F-BA9F-5A5EDF0ECB93}" type="datetimeFigureOut">
               <a:rPr lang="en-US" smtClean="0"/>
-              <a:t>12/30/2021</a:t>
+              <a:t>1/1/2022</a:t>
             </a:fld>
             <a:endParaRPr lang="en-US"/>
           </a:p>
@@ -2928,7 +2930,7 @@
           <a:p>
             <a:fld id="{1E1BBEAF-BE18-4B3F-BA9F-5A5EDF0ECB93}" type="datetimeFigureOut">
               <a:rPr lang="en-US" smtClean="0"/>
-              <a:t>12/30/2021</a:t>
+              <a:t>1/1/2022</a:t>
             </a:fld>
             <a:endParaRPr lang="en-US"/>
           </a:p>
@@ -4155,6 +4157,790 @@
 </p:sld>
 </file>
 
+<file path=ppt/slides/slide10.xml><?xml version="1.0" encoding="utf-8"?>
+<p:sld xmlns:a="http://schemas.openxmlformats.org/drawingml/2006/main" xmlns:r="http://schemas.openxmlformats.org/officeDocument/2006/relationships" xmlns:p="http://schemas.openxmlformats.org/presentationml/2006/main">
+  <p:cSld>
+    <p:spTree>
+      <p:nvGrpSpPr>
+        <p:cNvPr id="1" name=""/>
+        <p:cNvGrpSpPr/>
+        <p:nvPr/>
+      </p:nvGrpSpPr>
+      <p:grpSpPr>
+        <a:xfrm>
+          <a:off x="0" y="0"/>
+          <a:ext cx="0" cy="0"/>
+          <a:chOff x="0" y="0"/>
+          <a:chExt cx="0" cy="0"/>
+        </a:xfrm>
+      </p:grpSpPr>
+      <p:sp>
+        <p:nvSpPr>
+          <p:cNvPr id="10" name="Rectangle 9">
+            <a:extLst>
+              <a:ext uri="{FF2B5EF4-FFF2-40B4-BE49-F238E27FC236}">
+                <a16:creationId xmlns:a16="http://schemas.microsoft.com/office/drawing/2014/main" id="{60582F36-8EB4-4E2F-B0C7-524C0457BFEA}"/>
+              </a:ext>
+            </a:extLst>
+          </p:cNvPr>
+          <p:cNvSpPr/>
+          <p:nvPr/>
+        </p:nvSpPr>
+        <p:spPr>
+          <a:xfrm>
+            <a:off x="3315954" y="4032421"/>
+            <a:ext cx="4823211" cy="850735"/>
+          </a:xfrm>
+          <a:prstGeom prst="rect">
+            <a:avLst/>
+          </a:prstGeom>
+        </p:spPr>
+        <p:style>
+          <a:lnRef idx="2">
+            <a:schemeClr val="accent1"/>
+          </a:lnRef>
+          <a:fillRef idx="1">
+            <a:schemeClr val="lt1"/>
+          </a:fillRef>
+          <a:effectRef idx="0">
+            <a:schemeClr val="accent1"/>
+          </a:effectRef>
+          <a:fontRef idx="minor">
+            <a:schemeClr val="dk1"/>
+          </a:fontRef>
+        </p:style>
+        <p:txBody>
+          <a:bodyPr rtlCol="0" anchor="ctr"/>
+          <a:lstStyle/>
+          <a:p>
+            <a:pPr algn="ctr"/>
+            <a:r>
+              <a:rPr lang="pt-BR" b="1" dirty="0">
+                <a:solidFill>
+                  <a:srgbClr val="5B9BD5"/>
+                </a:solidFill>
+                <a:latin typeface="Consolas" panose="020B0609020204030204" pitchFamily="49" charset="0"/>
+              </a:rPr>
+              <a:t>softmax_response</a:t>
+            </a:r>
+            <a:br>
+              <a:rPr lang="pt-BR" b="1" dirty="0">
+                <a:solidFill>
+                  <a:srgbClr val="5B9BD5"/>
+                </a:solidFill>
+                <a:latin typeface="Consolas" panose="020B0609020204030204" pitchFamily="49" charset="0"/>
+              </a:rPr>
+            </a:br>
+            <a:r>
+              <a:rPr lang="pt-BR" b="1" dirty="0">
+                <a:solidFill>
+                  <a:srgbClr val="5B9BD5"/>
+                </a:solidFill>
+                <a:latin typeface="Consolas" panose="020B0609020204030204" pitchFamily="49" charset="0"/>
+              </a:rPr>
+              <a:t>(𝒫::SimpleGame, π, i, λ)</a:t>
+            </a:r>
+          </a:p>
+        </p:txBody>
+      </p:sp>
+      <p:sp>
+        <p:nvSpPr>
+          <p:cNvPr id="18" name="Rectangle 17">
+            <a:extLst>
+              <a:ext uri="{FF2B5EF4-FFF2-40B4-BE49-F238E27FC236}">
+                <a16:creationId xmlns:a16="http://schemas.microsoft.com/office/drawing/2014/main" id="{C90711FE-CBD9-40F2-A550-33263340FAF5}"/>
+              </a:ext>
+            </a:extLst>
+          </p:cNvPr>
+          <p:cNvSpPr/>
+          <p:nvPr/>
+        </p:nvSpPr>
+        <p:spPr>
+          <a:xfrm>
+            <a:off x="3315953" y="1004835"/>
+            <a:ext cx="4823212" cy="850735"/>
+          </a:xfrm>
+          <a:prstGeom prst="rect">
+            <a:avLst/>
+          </a:prstGeom>
+        </p:spPr>
+        <p:style>
+          <a:lnRef idx="2">
+            <a:schemeClr val="accent1"/>
+          </a:lnRef>
+          <a:fillRef idx="1">
+            <a:schemeClr val="lt1"/>
+          </a:fillRef>
+          <a:effectRef idx="0">
+            <a:schemeClr val="accent1"/>
+          </a:effectRef>
+          <a:fontRef idx="minor">
+            <a:schemeClr val="dk1"/>
+          </a:fontRef>
+        </p:style>
+        <p:txBody>
+          <a:bodyPr rtlCol="0" anchor="ctr"/>
+          <a:lstStyle/>
+          <a:p>
+            <a:pPr algn="ctr"/>
+            <a:r>
+              <a:rPr lang="en-US" b="1" dirty="0" err="1">
+                <a:solidFill>
+                  <a:srgbClr val="5B9BD5"/>
+                </a:solidFill>
+                <a:latin typeface="Consolas" panose="020B0609020204030204" pitchFamily="49" charset="0"/>
+              </a:rPr>
+              <a:t>HierarchicalSoftmax</a:t>
+            </a:r>
+            <a:br>
+              <a:rPr lang="en-US" b="1" dirty="0">
+                <a:solidFill>
+                  <a:srgbClr val="5B9BD5"/>
+                </a:solidFill>
+                <a:latin typeface="Consolas" panose="020B0609020204030204" pitchFamily="49" charset="0"/>
+              </a:rPr>
+            </a:br>
+            <a:r>
+              <a:rPr lang="en-US" b="1" dirty="0">
+                <a:solidFill>
+                  <a:srgbClr val="5B9BD5"/>
+                </a:solidFill>
+                <a:latin typeface="Consolas" panose="020B0609020204030204" pitchFamily="49" charset="0"/>
+              </a:rPr>
+              <a:t>(𝒫::</a:t>
+            </a:r>
+            <a:r>
+              <a:rPr lang="en-US" b="1" dirty="0" err="1">
+                <a:solidFill>
+                  <a:srgbClr val="5B9BD5"/>
+                </a:solidFill>
+                <a:latin typeface="Consolas" panose="020B0609020204030204" pitchFamily="49" charset="0"/>
+              </a:rPr>
+              <a:t>SimpleGame</a:t>
+            </a:r>
+            <a:r>
+              <a:rPr lang="en-US" b="1" dirty="0">
+                <a:solidFill>
+                  <a:srgbClr val="5B9BD5"/>
+                </a:solidFill>
+                <a:latin typeface="Consolas" panose="020B0609020204030204" pitchFamily="49" charset="0"/>
+              </a:rPr>
+              <a:t>, </a:t>
+            </a:r>
+            <a:r>
+              <a:rPr lang="el-GR" b="1" dirty="0">
+                <a:solidFill>
+                  <a:srgbClr val="5B9BD5"/>
+                </a:solidFill>
+                <a:latin typeface="Consolas" panose="020B0609020204030204" pitchFamily="49" charset="0"/>
+              </a:rPr>
+              <a:t>λ, </a:t>
+            </a:r>
+            <a:r>
+              <a:rPr lang="en-US" b="1" dirty="0">
+                <a:solidFill>
+                  <a:srgbClr val="5B9BD5"/>
+                </a:solidFill>
+                <a:latin typeface="Consolas" panose="020B0609020204030204" pitchFamily="49" charset="0"/>
+              </a:rPr>
+              <a:t>k)</a:t>
+            </a:r>
+          </a:p>
+        </p:txBody>
+      </p:sp>
+      <p:sp>
+        <p:nvSpPr>
+          <p:cNvPr id="19" name="Rectangle 18">
+            <a:extLst>
+              <a:ext uri="{FF2B5EF4-FFF2-40B4-BE49-F238E27FC236}">
+                <a16:creationId xmlns:a16="http://schemas.microsoft.com/office/drawing/2014/main" id="{302E7545-4D9E-409E-85B9-DC4ED771585E}"/>
+              </a:ext>
+            </a:extLst>
+          </p:cNvPr>
+          <p:cNvSpPr/>
+          <p:nvPr/>
+        </p:nvSpPr>
+        <p:spPr>
+          <a:xfrm>
+            <a:off x="3315955" y="2611816"/>
+            <a:ext cx="4823210" cy="668019"/>
+          </a:xfrm>
+          <a:prstGeom prst="rect">
+            <a:avLst/>
+          </a:prstGeom>
+        </p:spPr>
+        <p:style>
+          <a:lnRef idx="2">
+            <a:schemeClr val="accent1"/>
+          </a:lnRef>
+          <a:fillRef idx="1">
+            <a:schemeClr val="lt1"/>
+          </a:fillRef>
+          <a:effectRef idx="0">
+            <a:schemeClr val="accent1"/>
+          </a:effectRef>
+          <a:fontRef idx="minor">
+            <a:schemeClr val="dk1"/>
+          </a:fontRef>
+        </p:style>
+        <p:txBody>
+          <a:bodyPr rtlCol="0" anchor="ctr"/>
+          <a:lstStyle/>
+          <a:p>
+            <a:pPr algn="ctr"/>
+            <a:r>
+              <a:rPr lang="en-US" b="1" dirty="0">
+                <a:solidFill>
+                  <a:srgbClr val="5B9BD5"/>
+                </a:solidFill>
+                <a:latin typeface="Consolas" panose="020B0609020204030204" pitchFamily="49" charset="0"/>
+              </a:rPr>
+              <a:t>solve(M::</a:t>
+            </a:r>
+            <a:r>
+              <a:rPr lang="en-US" b="1" dirty="0" err="1">
+                <a:solidFill>
+                  <a:srgbClr val="5B9BD5"/>
+                </a:solidFill>
+                <a:latin typeface="Consolas" panose="020B0609020204030204" pitchFamily="49" charset="0"/>
+              </a:rPr>
+              <a:t>HierarchicalSoftmax</a:t>
+            </a:r>
+            <a:r>
+              <a:rPr lang="en-US" b="1" dirty="0">
+                <a:solidFill>
+                  <a:srgbClr val="5B9BD5"/>
+                </a:solidFill>
+                <a:latin typeface="Consolas" panose="020B0609020204030204" pitchFamily="49" charset="0"/>
+              </a:rPr>
+              <a:t>, 𝒫)</a:t>
+            </a:r>
+          </a:p>
+        </p:txBody>
+      </p:sp>
+      <p:cxnSp>
+        <p:nvCxnSpPr>
+          <p:cNvPr id="4" name="Straight Arrow Connector 3">
+            <a:extLst>
+              <a:ext uri="{FF2B5EF4-FFF2-40B4-BE49-F238E27FC236}">
+                <a16:creationId xmlns:a16="http://schemas.microsoft.com/office/drawing/2014/main" id="{A32641C8-8348-4158-8F52-F316B7DA40C8}"/>
+              </a:ext>
+            </a:extLst>
+          </p:cNvPr>
+          <p:cNvCxnSpPr>
+            <a:cxnSpLocks/>
+            <a:stCxn id="18" idx="2"/>
+            <a:endCxn id="19" idx="0"/>
+          </p:cNvCxnSpPr>
+          <p:nvPr/>
+        </p:nvCxnSpPr>
+        <p:spPr>
+          <a:xfrm>
+            <a:off x="5727559" y="1855570"/>
+            <a:ext cx="1" cy="756246"/>
+          </a:xfrm>
+          <a:prstGeom prst="straightConnector1">
+            <a:avLst/>
+          </a:prstGeom>
+          <a:ln>
+            <a:tailEnd type="triangle"/>
+          </a:ln>
+        </p:spPr>
+        <p:style>
+          <a:lnRef idx="1">
+            <a:schemeClr val="accent1"/>
+          </a:lnRef>
+          <a:fillRef idx="0">
+            <a:schemeClr val="accent1"/>
+          </a:fillRef>
+          <a:effectRef idx="0">
+            <a:schemeClr val="accent1"/>
+          </a:effectRef>
+          <a:fontRef idx="minor">
+            <a:schemeClr val="tx1"/>
+          </a:fontRef>
+        </p:style>
+      </p:cxnSp>
+      <p:cxnSp>
+        <p:nvCxnSpPr>
+          <p:cNvPr id="6" name="Straight Arrow Connector 5">
+            <a:extLst>
+              <a:ext uri="{FF2B5EF4-FFF2-40B4-BE49-F238E27FC236}">
+                <a16:creationId xmlns:a16="http://schemas.microsoft.com/office/drawing/2014/main" id="{374ABD79-4CA4-43C0-8D4A-AC8FB93B6570}"/>
+              </a:ext>
+            </a:extLst>
+          </p:cNvPr>
+          <p:cNvCxnSpPr>
+            <a:cxnSpLocks/>
+            <a:stCxn id="19" idx="2"/>
+            <a:endCxn id="10" idx="0"/>
+          </p:cNvCxnSpPr>
+          <p:nvPr/>
+        </p:nvCxnSpPr>
+        <p:spPr>
+          <a:xfrm>
+            <a:off x="5727560" y="3279835"/>
+            <a:ext cx="0" cy="752586"/>
+          </a:xfrm>
+          <a:prstGeom prst="straightConnector1">
+            <a:avLst/>
+          </a:prstGeom>
+          <a:ln>
+            <a:tailEnd type="triangle"/>
+          </a:ln>
+        </p:spPr>
+        <p:style>
+          <a:lnRef idx="1">
+            <a:schemeClr val="accent1"/>
+          </a:lnRef>
+          <a:fillRef idx="0">
+            <a:schemeClr val="accent1"/>
+          </a:fillRef>
+          <a:effectRef idx="0">
+            <a:schemeClr val="accent1"/>
+          </a:effectRef>
+          <a:fontRef idx="minor">
+            <a:schemeClr val="tx1"/>
+          </a:fontRef>
+        </p:style>
+      </p:cxnSp>
+    </p:spTree>
+    <p:extLst>
+      <p:ext uri="{BB962C8B-B14F-4D97-AF65-F5344CB8AC3E}">
+        <p14:creationId xmlns:p14="http://schemas.microsoft.com/office/powerpoint/2010/main" val="534731737"/>
+      </p:ext>
+    </p:extLst>
+  </p:cSld>
+  <p:clrMapOvr>
+    <a:masterClrMapping/>
+  </p:clrMapOvr>
+</p:sld>
+</file>
+
+<file path=ppt/slides/slide11.xml><?xml version="1.0" encoding="utf-8"?>
+<p:sld xmlns:a="http://schemas.openxmlformats.org/drawingml/2006/main" xmlns:r="http://schemas.openxmlformats.org/officeDocument/2006/relationships" xmlns:p="http://schemas.openxmlformats.org/presentationml/2006/main">
+  <p:cSld>
+    <p:spTree>
+      <p:nvGrpSpPr>
+        <p:cNvPr id="1" name=""/>
+        <p:cNvGrpSpPr/>
+        <p:nvPr/>
+      </p:nvGrpSpPr>
+      <p:grpSpPr>
+        <a:xfrm>
+          <a:off x="0" y="0"/>
+          <a:ext cx="0" cy="0"/>
+          <a:chOff x="0" y="0"/>
+          <a:chExt cx="0" cy="0"/>
+        </a:xfrm>
+      </p:grpSpPr>
+      <p:sp>
+        <p:nvSpPr>
+          <p:cNvPr id="10" name="Rectangle 9">
+            <a:extLst>
+              <a:ext uri="{FF2B5EF4-FFF2-40B4-BE49-F238E27FC236}">
+                <a16:creationId xmlns:a16="http://schemas.microsoft.com/office/drawing/2014/main" id="{60582F36-8EB4-4E2F-B0C7-524C0457BFEA}"/>
+              </a:ext>
+            </a:extLst>
+          </p:cNvPr>
+          <p:cNvSpPr/>
+          <p:nvPr/>
+        </p:nvSpPr>
+        <p:spPr>
+          <a:xfrm>
+            <a:off x="8934887" y="1410665"/>
+            <a:ext cx="3078755" cy="668019"/>
+          </a:xfrm>
+          <a:prstGeom prst="rect">
+            <a:avLst/>
+          </a:prstGeom>
+        </p:spPr>
+        <p:style>
+          <a:lnRef idx="2">
+            <a:schemeClr val="accent1"/>
+          </a:lnRef>
+          <a:fillRef idx="1">
+            <a:schemeClr val="lt1"/>
+          </a:fillRef>
+          <a:effectRef idx="0">
+            <a:schemeClr val="accent1"/>
+          </a:effectRef>
+          <a:fontRef idx="minor">
+            <a:schemeClr val="dk1"/>
+          </a:fontRef>
+        </p:style>
+        <p:txBody>
+          <a:bodyPr rtlCol="0" anchor="ctr"/>
+          <a:lstStyle/>
+          <a:p>
+            <a:pPr algn="ctr"/>
+            <a:r>
+              <a:rPr lang="en-US" b="1">
+                <a:solidFill>
+                  <a:srgbClr val="5B9BD5"/>
+                </a:solidFill>
+                <a:latin typeface="Consolas" panose="020B0609020204030204" pitchFamily="49" charset="0"/>
+              </a:rPr>
+              <a:t>Lookahead(mdp,U,s,a)</a:t>
+            </a:r>
+            <a:endParaRPr lang="en-US" b="1" dirty="0">
+              <a:solidFill>
+                <a:srgbClr val="5B9BD5"/>
+              </a:solidFill>
+              <a:latin typeface="Consolas" panose="020B0609020204030204" pitchFamily="49" charset="0"/>
+            </a:endParaRPr>
+          </a:p>
+        </p:txBody>
+      </p:sp>
+      <p:sp>
+        <p:nvSpPr>
+          <p:cNvPr id="18" name="Rectangle 17">
+            <a:extLst>
+              <a:ext uri="{FF2B5EF4-FFF2-40B4-BE49-F238E27FC236}">
+                <a16:creationId xmlns:a16="http://schemas.microsoft.com/office/drawing/2014/main" id="{C90711FE-CBD9-40F2-A550-33263340FAF5}"/>
+              </a:ext>
+            </a:extLst>
+          </p:cNvPr>
+          <p:cNvSpPr/>
+          <p:nvPr/>
+        </p:nvSpPr>
+        <p:spPr>
+          <a:xfrm>
+            <a:off x="542382" y="2078684"/>
+            <a:ext cx="3178021" cy="668019"/>
+          </a:xfrm>
+          <a:prstGeom prst="rect">
+            <a:avLst/>
+          </a:prstGeom>
+        </p:spPr>
+        <p:style>
+          <a:lnRef idx="2">
+            <a:schemeClr val="accent1"/>
+          </a:lnRef>
+          <a:fillRef idx="1">
+            <a:schemeClr val="lt1"/>
+          </a:fillRef>
+          <a:effectRef idx="0">
+            <a:schemeClr val="accent1"/>
+          </a:effectRef>
+          <a:fontRef idx="minor">
+            <a:schemeClr val="dk1"/>
+          </a:fontRef>
+        </p:style>
+        <p:txBody>
+          <a:bodyPr rtlCol="0" anchor="ctr"/>
+          <a:lstStyle/>
+          <a:p>
+            <a:pPr algn="ctr"/>
+            <a:r>
+              <a:rPr lang="en-US" b="1" dirty="0">
+                <a:solidFill>
+                  <a:srgbClr val="5B9BD5"/>
+                </a:solidFill>
+                <a:latin typeface="Consolas" panose="020B0609020204030204" pitchFamily="49" charset="0"/>
+              </a:rPr>
+              <a:t>Solve(</a:t>
+            </a:r>
+            <a:r>
+              <a:rPr lang="en-US" b="1" dirty="0" err="1">
+                <a:solidFill>
+                  <a:srgbClr val="5B9BD5"/>
+                </a:solidFill>
+                <a:latin typeface="Consolas" panose="020B0609020204030204" pitchFamily="49" charset="0"/>
+              </a:rPr>
+              <a:t>mdp,policy,k_max</a:t>
+            </a:r>
+            <a:r>
+              <a:rPr lang="en-US" b="1" dirty="0">
+                <a:solidFill>
+                  <a:srgbClr val="5B9BD5"/>
+                </a:solidFill>
+                <a:latin typeface="Consolas" panose="020B0609020204030204" pitchFamily="49" charset="0"/>
+              </a:rPr>
+              <a:t>) </a:t>
+            </a:r>
+          </a:p>
+        </p:txBody>
+      </p:sp>
+      <p:sp>
+        <p:nvSpPr>
+          <p:cNvPr id="19" name="Rectangle 18">
+            <a:extLst>
+              <a:ext uri="{FF2B5EF4-FFF2-40B4-BE49-F238E27FC236}">
+                <a16:creationId xmlns:a16="http://schemas.microsoft.com/office/drawing/2014/main" id="{302E7545-4D9E-409E-85B9-DC4ED771585E}"/>
+              </a:ext>
+            </a:extLst>
+          </p:cNvPr>
+          <p:cNvSpPr/>
+          <p:nvPr/>
+        </p:nvSpPr>
+        <p:spPr>
+          <a:xfrm>
+            <a:off x="4385364" y="1888358"/>
+            <a:ext cx="3688963" cy="1048670"/>
+          </a:xfrm>
+          <a:prstGeom prst="rect">
+            <a:avLst/>
+          </a:prstGeom>
+        </p:spPr>
+        <p:style>
+          <a:lnRef idx="2">
+            <a:schemeClr val="accent1"/>
+          </a:lnRef>
+          <a:fillRef idx="1">
+            <a:schemeClr val="lt1"/>
+          </a:fillRef>
+          <a:effectRef idx="0">
+            <a:schemeClr val="accent1"/>
+          </a:effectRef>
+          <a:fontRef idx="minor">
+            <a:schemeClr val="dk1"/>
+          </a:fontRef>
+        </p:style>
+        <p:txBody>
+          <a:bodyPr rtlCol="0" anchor="ctr"/>
+          <a:lstStyle/>
+          <a:p>
+            <a:pPr algn="ctr"/>
+            <a:r>
+              <a:rPr lang="en-US" b="1" dirty="0" err="1">
+                <a:solidFill>
+                  <a:srgbClr val="5B9BD5"/>
+                </a:solidFill>
+                <a:latin typeface="Consolas" panose="020B0609020204030204" pitchFamily="49" charset="0"/>
+              </a:rPr>
+              <a:t>iterative_policy_evaluation</a:t>
+            </a:r>
+            <a:r>
+              <a:rPr lang="en-US" b="1" dirty="0">
+                <a:solidFill>
+                  <a:srgbClr val="5B9BD5"/>
+                </a:solidFill>
+                <a:latin typeface="Consolas" panose="020B0609020204030204" pitchFamily="49" charset="0"/>
+              </a:rPr>
+              <a:t>(</a:t>
+            </a:r>
+            <a:r>
+              <a:rPr lang="en-US" b="1" dirty="0" err="1">
+                <a:solidFill>
+                  <a:srgbClr val="5B9BD5"/>
+                </a:solidFill>
+                <a:latin typeface="Consolas" panose="020B0609020204030204" pitchFamily="49" charset="0"/>
+              </a:rPr>
+              <a:t>mdp,policy,k_max</a:t>
+            </a:r>
+            <a:r>
+              <a:rPr lang="en-US" b="1" dirty="0">
+                <a:solidFill>
+                  <a:srgbClr val="5B9BD5"/>
+                </a:solidFill>
+                <a:latin typeface="Consolas" panose="020B0609020204030204" pitchFamily="49" charset="0"/>
+              </a:rPr>
+              <a:t>)</a:t>
+            </a:r>
+          </a:p>
+        </p:txBody>
+      </p:sp>
+      <p:cxnSp>
+        <p:nvCxnSpPr>
+          <p:cNvPr id="13" name="Straight Arrow Connector 12">
+            <a:extLst>
+              <a:ext uri="{FF2B5EF4-FFF2-40B4-BE49-F238E27FC236}">
+                <a16:creationId xmlns:a16="http://schemas.microsoft.com/office/drawing/2014/main" id="{EE552DAF-13CF-4510-B1F6-F3836BF26D0E}"/>
+              </a:ext>
+            </a:extLst>
+          </p:cNvPr>
+          <p:cNvCxnSpPr>
+            <a:cxnSpLocks/>
+            <a:stCxn id="10" idx="1"/>
+            <a:endCxn id="19" idx="3"/>
+          </p:cNvCxnSpPr>
+          <p:nvPr/>
+        </p:nvCxnSpPr>
+        <p:spPr>
+          <a:xfrm flipH="1">
+            <a:off x="8074327" y="1744675"/>
+            <a:ext cx="860560" cy="668018"/>
+          </a:xfrm>
+          <a:prstGeom prst="straightConnector1">
+            <a:avLst/>
+          </a:prstGeom>
+          <a:ln>
+            <a:tailEnd type="triangle"/>
+          </a:ln>
+        </p:spPr>
+        <p:style>
+          <a:lnRef idx="1">
+            <a:schemeClr val="accent1"/>
+          </a:lnRef>
+          <a:fillRef idx="0">
+            <a:schemeClr val="accent1"/>
+          </a:fillRef>
+          <a:effectRef idx="0">
+            <a:schemeClr val="accent1"/>
+          </a:effectRef>
+          <a:fontRef idx="minor">
+            <a:schemeClr val="tx1"/>
+          </a:fontRef>
+        </p:style>
+      </p:cxnSp>
+      <p:cxnSp>
+        <p:nvCxnSpPr>
+          <p:cNvPr id="15" name="Straight Arrow Connector 14">
+            <a:extLst>
+              <a:ext uri="{FF2B5EF4-FFF2-40B4-BE49-F238E27FC236}">
+                <a16:creationId xmlns:a16="http://schemas.microsoft.com/office/drawing/2014/main" id="{9FC5E1B4-8613-4C3E-BCC3-D47F94ECCBE7}"/>
+              </a:ext>
+            </a:extLst>
+          </p:cNvPr>
+          <p:cNvCxnSpPr>
+            <a:cxnSpLocks/>
+            <a:stCxn id="19" idx="1"/>
+            <a:endCxn id="18" idx="3"/>
+          </p:cNvCxnSpPr>
+          <p:nvPr/>
+        </p:nvCxnSpPr>
+        <p:spPr>
+          <a:xfrm flipH="1">
+            <a:off x="3720403" y="2412693"/>
+            <a:ext cx="664961" cy="1"/>
+          </a:xfrm>
+          <a:prstGeom prst="straightConnector1">
+            <a:avLst/>
+          </a:prstGeom>
+          <a:ln>
+            <a:tailEnd type="triangle"/>
+          </a:ln>
+        </p:spPr>
+        <p:style>
+          <a:lnRef idx="1">
+            <a:schemeClr val="accent1"/>
+          </a:lnRef>
+          <a:fillRef idx="0">
+            <a:schemeClr val="accent1"/>
+          </a:fillRef>
+          <a:effectRef idx="0">
+            <a:schemeClr val="accent1"/>
+          </a:effectRef>
+          <a:fontRef idx="minor">
+            <a:schemeClr val="tx1"/>
+          </a:fontRef>
+        </p:style>
+      </p:cxnSp>
+      <p:sp>
+        <p:nvSpPr>
+          <p:cNvPr id="20" name="Rectangle 19">
+            <a:extLst>
+              <a:ext uri="{FF2B5EF4-FFF2-40B4-BE49-F238E27FC236}">
+                <a16:creationId xmlns:a16="http://schemas.microsoft.com/office/drawing/2014/main" id="{A5FAB121-B1CF-429F-AF2C-42E1D56296D7}"/>
+              </a:ext>
+            </a:extLst>
+          </p:cNvPr>
+          <p:cNvSpPr/>
+          <p:nvPr/>
+        </p:nvSpPr>
+        <p:spPr>
+          <a:xfrm>
+            <a:off x="8840266" y="2746703"/>
+            <a:ext cx="3173376" cy="668019"/>
+          </a:xfrm>
+          <a:prstGeom prst="rect">
+            <a:avLst/>
+          </a:prstGeom>
+        </p:spPr>
+        <p:style>
+          <a:lnRef idx="2">
+            <a:schemeClr val="accent1"/>
+          </a:lnRef>
+          <a:fillRef idx="1">
+            <a:schemeClr val="lt1"/>
+          </a:fillRef>
+          <a:effectRef idx="0">
+            <a:schemeClr val="accent1"/>
+          </a:effectRef>
+          <a:fontRef idx="minor">
+            <a:schemeClr val="dk1"/>
+          </a:fontRef>
+        </p:style>
+        <p:txBody>
+          <a:bodyPr rtlCol="0" anchor="ctr"/>
+          <a:lstStyle/>
+          <a:p>
+            <a:pPr algn="ctr"/>
+            <a:r>
+              <a:rPr lang="en-US" b="1">
+                <a:solidFill>
+                  <a:srgbClr val="5B9BD5"/>
+                </a:solidFill>
+                <a:latin typeface="Consolas" panose="020B0609020204030204" pitchFamily="49" charset="0"/>
+              </a:rPr>
+              <a:t>policy(s)</a:t>
+            </a:r>
+            <a:endParaRPr lang="en-US" b="1" dirty="0">
+              <a:solidFill>
+                <a:srgbClr val="5B9BD5"/>
+              </a:solidFill>
+              <a:latin typeface="Consolas" panose="020B0609020204030204" pitchFamily="49" charset="0"/>
+            </a:endParaRPr>
+          </a:p>
+        </p:txBody>
+      </p:sp>
+      <p:cxnSp>
+        <p:nvCxnSpPr>
+          <p:cNvPr id="21" name="Straight Arrow Connector 20">
+            <a:extLst>
+              <a:ext uri="{FF2B5EF4-FFF2-40B4-BE49-F238E27FC236}">
+                <a16:creationId xmlns:a16="http://schemas.microsoft.com/office/drawing/2014/main" id="{2B21E256-CC44-4530-9047-D2FBB7E439D7}"/>
+              </a:ext>
+            </a:extLst>
+          </p:cNvPr>
+          <p:cNvCxnSpPr>
+            <a:cxnSpLocks/>
+            <a:stCxn id="20" idx="1"/>
+            <a:endCxn id="19" idx="3"/>
+          </p:cNvCxnSpPr>
+          <p:nvPr/>
+        </p:nvCxnSpPr>
+        <p:spPr>
+          <a:xfrm flipH="1" flipV="1">
+            <a:off x="8074327" y="2412693"/>
+            <a:ext cx="765939" cy="668020"/>
+          </a:xfrm>
+          <a:prstGeom prst="straightConnector1">
+            <a:avLst/>
+          </a:prstGeom>
+          <a:ln>
+            <a:tailEnd type="triangle"/>
+          </a:ln>
+        </p:spPr>
+        <p:style>
+          <a:lnRef idx="1">
+            <a:schemeClr val="accent1"/>
+          </a:lnRef>
+          <a:fillRef idx="0">
+            <a:schemeClr val="accent1"/>
+          </a:fillRef>
+          <a:effectRef idx="0">
+            <a:schemeClr val="accent1"/>
+          </a:effectRef>
+          <a:fontRef idx="minor">
+            <a:schemeClr val="tx1"/>
+          </a:fontRef>
+        </p:style>
+      </p:cxnSp>
+    </p:spTree>
+    <p:extLst>
+      <p:ext uri="{BB962C8B-B14F-4D97-AF65-F5344CB8AC3E}">
+        <p14:creationId xmlns:p14="http://schemas.microsoft.com/office/powerpoint/2010/main" val="170051723"/>
+      </p:ext>
+    </p:extLst>
+  </p:cSld>
+  <p:clrMapOvr>
+    <a:masterClrMapping/>
+  </p:clrMapOvr>
+</p:sld>
+</file>
+
 <file path=ppt/slides/slide2.xml><?xml version="1.0" encoding="utf-8"?>
 <p:sld xmlns:a="http://schemas.openxmlformats.org/drawingml/2006/main" xmlns:r="http://schemas.openxmlformats.org/officeDocument/2006/relationships" xmlns:p="http://schemas.openxmlformats.org/presentationml/2006/main">
   <p:cSld>
